--- a/talks/euro_leeds/slides/images/tkf_cp_framework.pptx
+++ b/talks/euro_leeds/slides/images/tkf_cp_framework.pptx
@@ -262,7 +262,7 @@
           <a:p>
             <a:fld id="{3CBCE968-9D39-4C4F-B7CB-50BC436AED93}" type="datetimeFigureOut">
               <a:rPr lang="en-GB" smtClean="0"/>
-              <a:t>11/06/2025</a:t>
+              <a:t>23/06/2025</a:t>
             </a:fld>
             <a:endParaRPr lang="en-GB"/>
           </a:p>
@@ -462,7 +462,7 @@
           <a:p>
             <a:fld id="{3CBCE968-9D39-4C4F-B7CB-50BC436AED93}" type="datetimeFigureOut">
               <a:rPr lang="en-GB" smtClean="0"/>
-              <a:t>11/06/2025</a:t>
+              <a:t>23/06/2025</a:t>
             </a:fld>
             <a:endParaRPr lang="en-GB"/>
           </a:p>
@@ -672,7 +672,7 @@
           <a:p>
             <a:fld id="{3CBCE968-9D39-4C4F-B7CB-50BC436AED93}" type="datetimeFigureOut">
               <a:rPr lang="en-GB" smtClean="0"/>
-              <a:t>11/06/2025</a:t>
+              <a:t>23/06/2025</a:t>
             </a:fld>
             <a:endParaRPr lang="en-GB"/>
           </a:p>
@@ -872,7 +872,7 @@
           <a:p>
             <a:fld id="{3CBCE968-9D39-4C4F-B7CB-50BC436AED93}" type="datetimeFigureOut">
               <a:rPr lang="en-GB" smtClean="0"/>
-              <a:t>11/06/2025</a:t>
+              <a:t>23/06/2025</a:t>
             </a:fld>
             <a:endParaRPr lang="en-GB"/>
           </a:p>
@@ -1148,7 +1148,7 @@
           <a:p>
             <a:fld id="{3CBCE968-9D39-4C4F-B7CB-50BC436AED93}" type="datetimeFigureOut">
               <a:rPr lang="en-GB" smtClean="0"/>
-              <a:t>11/06/2025</a:t>
+              <a:t>23/06/2025</a:t>
             </a:fld>
             <a:endParaRPr lang="en-GB"/>
           </a:p>
@@ -1416,7 +1416,7 @@
           <a:p>
             <a:fld id="{3CBCE968-9D39-4C4F-B7CB-50BC436AED93}" type="datetimeFigureOut">
               <a:rPr lang="en-GB" smtClean="0"/>
-              <a:t>11/06/2025</a:t>
+              <a:t>23/06/2025</a:t>
             </a:fld>
             <a:endParaRPr lang="en-GB"/>
           </a:p>
@@ -1831,7 +1831,7 @@
           <a:p>
             <a:fld id="{3CBCE968-9D39-4C4F-B7CB-50BC436AED93}" type="datetimeFigureOut">
               <a:rPr lang="en-GB" smtClean="0"/>
-              <a:t>11/06/2025</a:t>
+              <a:t>23/06/2025</a:t>
             </a:fld>
             <a:endParaRPr lang="en-GB"/>
           </a:p>
@@ -1973,7 +1973,7 @@
           <a:p>
             <a:fld id="{3CBCE968-9D39-4C4F-B7CB-50BC436AED93}" type="datetimeFigureOut">
               <a:rPr lang="en-GB" smtClean="0"/>
-              <a:t>11/06/2025</a:t>
+              <a:t>23/06/2025</a:t>
             </a:fld>
             <a:endParaRPr lang="en-GB"/>
           </a:p>
@@ -2086,7 +2086,7 @@
           <a:p>
             <a:fld id="{3CBCE968-9D39-4C4F-B7CB-50BC436AED93}" type="datetimeFigureOut">
               <a:rPr lang="en-GB" smtClean="0"/>
-              <a:t>11/06/2025</a:t>
+              <a:t>23/06/2025</a:t>
             </a:fld>
             <a:endParaRPr lang="en-GB"/>
           </a:p>
@@ -2399,7 +2399,7 @@
           <a:p>
             <a:fld id="{3CBCE968-9D39-4C4F-B7CB-50BC436AED93}" type="datetimeFigureOut">
               <a:rPr lang="en-GB" smtClean="0"/>
-              <a:t>11/06/2025</a:t>
+              <a:t>23/06/2025</a:t>
             </a:fld>
             <a:endParaRPr lang="en-GB"/>
           </a:p>
@@ -2688,7 +2688,7 @@
           <a:p>
             <a:fld id="{3CBCE968-9D39-4C4F-B7CB-50BC436AED93}" type="datetimeFigureOut">
               <a:rPr lang="en-GB" smtClean="0"/>
-              <a:t>11/06/2025</a:t>
+              <a:t>23/06/2025</a:t>
             </a:fld>
             <a:endParaRPr lang="en-GB"/>
           </a:p>
@@ -2931,7 +2931,7 @@
           <a:p>
             <a:fld id="{3CBCE968-9D39-4C4F-B7CB-50BC436AED93}" type="datetimeFigureOut">
               <a:rPr lang="en-GB" smtClean="0"/>
-              <a:t>11/06/2025</a:t>
+              <a:t>23/06/2025</a:t>
             </a:fld>
             <a:endParaRPr lang="en-GB"/>
           </a:p>
@@ -6450,7 +6450,7 @@
                 <a:buChar char="•"/>
               </a:pPr>
               <a:r>
-                <a:rPr lang="en-GB" sz="1200" dirty="0">
+                <a:rPr lang="en-GB" sz="1200">
                   <a:solidFill>
                     <a:schemeClr val="tx1">
                       <a:lumMod val="85000"/>
@@ -6460,8 +6460,18 @@
                   <a:latin typeface="Assistant" pitchFamily="2" charset="-79"/>
                   <a:cs typeface="Assistant" pitchFamily="2" charset="-79"/>
                 </a:rPr>
-                <a:t>Inventory Coverage</a:t>
+                <a:t>Inventory Efficiency</a:t>
               </a:r>
+              <a:endParaRPr lang="en-GB" sz="1200" dirty="0">
+                <a:solidFill>
+                  <a:schemeClr val="tx1">
+                    <a:lumMod val="85000"/>
+                    <a:lumOff val="15000"/>
+                  </a:schemeClr>
+                </a:solidFill>
+                <a:latin typeface="Assistant" pitchFamily="2" charset="-79"/>
+                <a:cs typeface="Assistant" pitchFamily="2" charset="-79"/>
+              </a:endParaRPr>
             </a:p>
             <a:p>
               <a:pPr marL="171450" indent="-171450">
